--- a/Doc/Presentation.pptx
+++ b/Doc/Presentation.pptx
@@ -17,6 +17,8 @@
     <p:sldId id="265" r:id="rId11"/>
     <p:sldId id="266" r:id="rId12"/>
     <p:sldId id="267" r:id="rId13"/>
+    <p:sldId id="268" r:id="rId14"/>
+    <p:sldId id="269" r:id="rId15"/>
   </p:sldIdLst>
   <p:sldSz cx="12192000" cy="6858000"/>
   <p:notesSz cx="6858000" cy="9144000"/>
@@ -167,7 +169,7 @@
           </a:lstStyle>
           <a:p>
             <a:r>
-              <a:rPr lang="en-US" smtClean="0"/>
+              <a:rPr lang="en-US"/>
               <a:t>Click to edit Master title style</a:t>
             </a:r>
             <a:endParaRPr lang="en-US" dirty="0"/>
@@ -287,7 +289,7 @@
           </a:lstStyle>
           <a:p>
             <a:r>
-              <a:rPr lang="en-US" smtClean="0"/>
+              <a:rPr lang="en-US"/>
               <a:t>Click to edit Master subtitle style</a:t>
             </a:r>
             <a:endParaRPr lang="en-US" dirty="0"/>
@@ -312,7 +314,7 @@
             <a:fld id="{B61BEF0D-F0BB-DE4B-95CE-6DB70DBA9567}" type="datetimeFigureOut">
               <a:rPr lang="en-US" dirty="0"/>
               <a:pPr/>
-              <a:t>4/18/2016</a:t>
+              <a:t>4/21/2016</a:t>
             </a:fld>
             <a:endParaRPr lang="en-US" dirty="0"/>
           </a:p>
@@ -500,7 +502,7 @@
           </a:lstStyle>
           <a:p>
             <a:r>
-              <a:rPr lang="en-US" smtClean="0"/>
+              <a:rPr lang="en-US"/>
               <a:t>Click to edit Master title style</a:t>
             </a:r>
             <a:endParaRPr lang="en-US" dirty="0"/>
@@ -623,7 +625,7 @@
           <a:p>
             <a:pPr lvl="0"/>
             <a:r>
-              <a:rPr lang="en-US" smtClean="0"/>
+              <a:rPr lang="en-US"/>
               <a:t>Click to edit Master text styles</a:t>
             </a:r>
           </a:p>
@@ -647,7 +649,7 @@
             <a:fld id="{B61BEF0D-F0BB-DE4B-95CE-6DB70DBA9567}" type="datetimeFigureOut">
               <a:rPr lang="en-US" dirty="0"/>
               <a:pPr/>
-              <a:t>4/18/2016</a:t>
+              <a:t>4/21/2016</a:t>
             </a:fld>
             <a:endParaRPr lang="en-US" dirty="0"/>
           </a:p>
@@ -835,7 +837,7 @@
           </a:lstStyle>
           <a:p>
             <a:r>
-              <a:rPr lang="en-US" smtClean="0"/>
+              <a:rPr lang="en-US"/>
               <a:t>Click to edit Master title style</a:t>
             </a:r>
             <a:endParaRPr lang="en-US" dirty="0"/>
@@ -899,7 +901,7 @@
           <a:p>
             <a:pPr lvl="0"/>
             <a:r>
-              <a:rPr lang="en-US" smtClean="0"/>
+              <a:rPr lang="en-US"/>
               <a:t>Click to edit Master text styles</a:t>
             </a:r>
           </a:p>
@@ -1021,7 +1023,7 @@
           <a:p>
             <a:pPr lvl="0"/>
             <a:r>
-              <a:rPr lang="en-US" smtClean="0"/>
+              <a:rPr lang="en-US"/>
               <a:t>Click to edit Master text styles</a:t>
             </a:r>
           </a:p>
@@ -1045,7 +1047,7 @@
             <a:fld id="{B61BEF0D-F0BB-DE4B-95CE-6DB70DBA9567}" type="datetimeFigureOut">
               <a:rPr lang="en-US" dirty="0"/>
               <a:pPr/>
-              <a:t>4/18/2016</a:t>
+              <a:t>4/21/2016</a:t>
             </a:fld>
             <a:endParaRPr lang="en-US" dirty="0"/>
           </a:p>
@@ -1309,7 +1311,7 @@
           </a:lstStyle>
           <a:p>
             <a:r>
-              <a:rPr lang="en-US" smtClean="0"/>
+              <a:rPr lang="en-US"/>
               <a:t>Click to edit Master title style</a:t>
             </a:r>
             <a:endParaRPr lang="en-US" dirty="0"/>
@@ -1354,7 +1356,7 @@
               <a:buNone/>
             </a:pPr>
             <a:r>
-              <a:rPr lang="en-US" smtClean="0"/>
+              <a:rPr lang="en-US"/>
               <a:t>Click to edit Master text styles</a:t>
             </a:r>
           </a:p>
@@ -1378,7 +1380,7 @@
             <a:fld id="{B61BEF0D-F0BB-DE4B-95CE-6DB70DBA9567}" type="datetimeFigureOut">
               <a:rPr lang="en-US" dirty="0"/>
               <a:pPr/>
-              <a:t>4/18/2016</a:t>
+              <a:t>4/21/2016</a:t>
             </a:fld>
             <a:endParaRPr lang="en-US" dirty="0"/>
           </a:p>
@@ -1566,7 +1568,7 @@
           </a:lstStyle>
           <a:p>
             <a:r>
-              <a:rPr lang="en-US" smtClean="0"/>
+              <a:rPr lang="en-US"/>
               <a:t>Click to edit Master title style</a:t>
             </a:r>
             <a:endParaRPr lang="en-US" dirty="0"/>
@@ -1627,7 +1629,7 @@
           <a:p>
             <a:pPr lvl="0"/>
             <a:r>
-              <a:rPr lang="en-US" smtClean="0"/>
+              <a:rPr lang="en-US"/>
               <a:t>Click to edit Master text styles</a:t>
             </a:r>
           </a:p>
@@ -1671,7 +1673,7 @@
               <a:buNone/>
             </a:pPr>
             <a:r>
-              <a:rPr lang="en-US" smtClean="0"/>
+              <a:rPr lang="en-US"/>
               <a:t>Click to edit Master text styles</a:t>
             </a:r>
           </a:p>
@@ -1695,7 +1697,7 @@
             <a:fld id="{B61BEF0D-F0BB-DE4B-95CE-6DB70DBA9567}" type="datetimeFigureOut">
               <a:rPr lang="en-US" dirty="0"/>
               <a:pPr/>
-              <a:t>4/18/2016</a:t>
+              <a:t>4/21/2016</a:t>
             </a:fld>
             <a:endParaRPr lang="en-US" dirty="0"/>
           </a:p>
@@ -1959,7 +1961,7 @@
           </a:lstStyle>
           <a:p>
             <a:r>
-              <a:rPr lang="en-US" smtClean="0"/>
+              <a:rPr lang="en-US"/>
               <a:t>Click to edit Master title style</a:t>
             </a:r>
             <a:endParaRPr lang="en-US" dirty="0"/>
@@ -2020,7 +2022,7 @@
           <a:p>
             <a:pPr lvl="0"/>
             <a:r>
-              <a:rPr lang="en-US" smtClean="0"/>
+              <a:rPr lang="en-US"/>
               <a:t>Click to edit Master text styles</a:t>
             </a:r>
           </a:p>
@@ -2064,7 +2066,7 @@
               <a:buNone/>
             </a:pPr>
             <a:r>
-              <a:rPr lang="en-US" smtClean="0"/>
+              <a:rPr lang="en-US"/>
               <a:t>Click to edit Master text styles</a:t>
             </a:r>
           </a:p>
@@ -2088,7 +2090,7 @@
             <a:fld id="{B61BEF0D-F0BB-DE4B-95CE-6DB70DBA9567}" type="datetimeFigureOut">
               <a:rPr lang="en-US" dirty="0"/>
               <a:pPr/>
-              <a:t>4/18/2016</a:t>
+              <a:t>4/21/2016</a:t>
             </a:fld>
             <a:endParaRPr lang="en-US" dirty="0"/>
           </a:p>
@@ -2265,7 +2267,7 @@
           <a:lstStyle/>
           <a:p>
             <a:r>
-              <a:rPr lang="en-US" smtClean="0"/>
+              <a:rPr lang="en-US"/>
               <a:t>Click to edit Master title style</a:t>
             </a:r>
             <a:endParaRPr lang="en-US" dirty="0"/>
@@ -2289,35 +2291,35 @@
           <a:p>
             <a:pPr lvl="0"/>
             <a:r>
-              <a:rPr lang="en-US" smtClean="0"/>
+              <a:rPr lang="en-US"/>
               <a:t>Click to edit Master text styles</a:t>
             </a:r>
           </a:p>
           <a:p>
             <a:pPr lvl="1"/>
             <a:r>
-              <a:rPr lang="en-US" smtClean="0"/>
+              <a:rPr lang="en-US"/>
               <a:t>Second level</a:t>
             </a:r>
           </a:p>
           <a:p>
             <a:pPr lvl="2"/>
             <a:r>
-              <a:rPr lang="en-US" smtClean="0"/>
+              <a:rPr lang="en-US"/>
               <a:t>Third level</a:t>
             </a:r>
           </a:p>
           <a:p>
             <a:pPr lvl="3"/>
             <a:r>
-              <a:rPr lang="en-US" smtClean="0"/>
+              <a:rPr lang="en-US"/>
               <a:t>Fourth level</a:t>
             </a:r>
           </a:p>
           <a:p>
             <a:pPr lvl="4"/>
             <a:r>
-              <a:rPr lang="en-US" smtClean="0"/>
+              <a:rPr lang="en-US"/>
               <a:t>Fifth level</a:t>
             </a:r>
             <a:endParaRPr lang="en-US" dirty="0"/>
@@ -2342,7 +2344,7 @@
             <a:fld id="{B61BEF0D-F0BB-DE4B-95CE-6DB70DBA9567}" type="datetimeFigureOut">
               <a:rPr lang="en-US" dirty="0"/>
               <a:pPr/>
-              <a:t>4/18/2016</a:t>
+              <a:t>4/21/2016</a:t>
             </a:fld>
             <a:endParaRPr lang="en-US" dirty="0"/>
           </a:p>
@@ -2519,7 +2521,7 @@
           <a:lstStyle/>
           <a:p>
             <a:r>
-              <a:rPr lang="en-US" smtClean="0"/>
+              <a:rPr lang="en-US"/>
               <a:t>Click to edit Master title style</a:t>
             </a:r>
             <a:endParaRPr lang="en-US" dirty="0"/>
@@ -2548,35 +2550,35 @@
           <a:p>
             <a:pPr lvl="0"/>
             <a:r>
-              <a:rPr lang="en-US" smtClean="0"/>
+              <a:rPr lang="en-US"/>
               <a:t>Click to edit Master text styles</a:t>
             </a:r>
           </a:p>
           <a:p>
             <a:pPr lvl="1"/>
             <a:r>
-              <a:rPr lang="en-US" smtClean="0"/>
+              <a:rPr lang="en-US"/>
               <a:t>Second level</a:t>
             </a:r>
           </a:p>
           <a:p>
             <a:pPr lvl="2"/>
             <a:r>
-              <a:rPr lang="en-US" smtClean="0"/>
+              <a:rPr lang="en-US"/>
               <a:t>Third level</a:t>
             </a:r>
           </a:p>
           <a:p>
             <a:pPr lvl="3"/>
             <a:r>
-              <a:rPr lang="en-US" smtClean="0"/>
+              <a:rPr lang="en-US"/>
               <a:t>Fourth level</a:t>
             </a:r>
           </a:p>
           <a:p>
             <a:pPr lvl="4"/>
             <a:r>
-              <a:rPr lang="en-US" smtClean="0"/>
+              <a:rPr lang="en-US"/>
               <a:t>Fifth level</a:t>
             </a:r>
             <a:endParaRPr lang="en-US" dirty="0"/>
@@ -2601,7 +2603,7 @@
             <a:fld id="{B61BEF0D-F0BB-DE4B-95CE-6DB70DBA9567}" type="datetimeFigureOut">
               <a:rPr lang="en-US" dirty="0"/>
               <a:pPr/>
-              <a:t>4/18/2016</a:t>
+              <a:t>4/21/2016</a:t>
             </a:fld>
             <a:endParaRPr lang="en-US" dirty="0"/>
           </a:p>
@@ -2778,7 +2780,7 @@
           <a:lstStyle/>
           <a:p>
             <a:r>
-              <a:rPr lang="en-US" smtClean="0"/>
+              <a:rPr lang="en-US"/>
               <a:t>Click to edit Master title style</a:t>
             </a:r>
             <a:endParaRPr lang="en-US" dirty="0"/>
@@ -2807,35 +2809,35 @@
           <a:p>
             <a:pPr lvl="0"/>
             <a:r>
-              <a:rPr lang="en-US" smtClean="0"/>
+              <a:rPr lang="en-US"/>
               <a:t>Click to edit Master text styles</a:t>
             </a:r>
           </a:p>
           <a:p>
             <a:pPr lvl="1"/>
             <a:r>
-              <a:rPr lang="en-US" smtClean="0"/>
+              <a:rPr lang="en-US"/>
               <a:t>Second level</a:t>
             </a:r>
           </a:p>
           <a:p>
             <a:pPr lvl="2"/>
             <a:r>
-              <a:rPr lang="en-US" smtClean="0"/>
+              <a:rPr lang="en-US"/>
               <a:t>Third level</a:t>
             </a:r>
           </a:p>
           <a:p>
             <a:pPr lvl="3"/>
             <a:r>
-              <a:rPr lang="en-US" smtClean="0"/>
+              <a:rPr lang="en-US"/>
               <a:t>Fourth level</a:t>
             </a:r>
           </a:p>
           <a:p>
             <a:pPr lvl="4"/>
             <a:r>
-              <a:rPr lang="en-US" smtClean="0"/>
+              <a:rPr lang="en-US"/>
               <a:t>Fifth level</a:t>
             </a:r>
             <a:endParaRPr lang="en-US" dirty="0"/>
@@ -2860,7 +2862,7 @@
             <a:fld id="{B61BEF0D-F0BB-DE4B-95CE-6DB70DBA9567}" type="datetimeFigureOut">
               <a:rPr lang="en-US" dirty="0"/>
               <a:pPr/>
-              <a:t>4/18/2016</a:t>
+              <a:t>4/21/2016</a:t>
             </a:fld>
             <a:endParaRPr lang="en-US" dirty="0"/>
           </a:p>
@@ -3041,7 +3043,7 @@
           </a:lstStyle>
           <a:p>
             <a:r>
-              <a:rPr lang="en-US" smtClean="0"/>
+              <a:rPr lang="en-US"/>
               <a:t>Click to edit Master title style</a:t>
             </a:r>
             <a:endParaRPr lang="en-US" dirty="0"/>
@@ -3162,7 +3164,7 @@
           <a:p>
             <a:pPr lvl="0"/>
             <a:r>
-              <a:rPr lang="en-US" smtClean="0"/>
+              <a:rPr lang="en-US"/>
               <a:t>Click to edit Master text styles</a:t>
             </a:r>
           </a:p>
@@ -3186,7 +3188,7 @@
             <a:fld id="{B61BEF0D-F0BB-DE4B-95CE-6DB70DBA9567}" type="datetimeFigureOut">
               <a:rPr lang="en-US" dirty="0"/>
               <a:pPr/>
-              <a:t>4/18/2016</a:t>
+              <a:t>4/21/2016</a:t>
             </a:fld>
             <a:endParaRPr lang="en-US" dirty="0"/>
           </a:p>
@@ -3363,7 +3365,7 @@
           <a:lstStyle/>
           <a:p>
             <a:r>
-              <a:rPr lang="en-US" smtClean="0"/>
+              <a:rPr lang="en-US"/>
               <a:t>Click to edit Master title style</a:t>
             </a:r>
             <a:endParaRPr lang="en-US" dirty="0"/>
@@ -3394,35 +3396,35 @@
           <a:p>
             <a:pPr lvl="0"/>
             <a:r>
-              <a:rPr lang="en-US" smtClean="0"/>
+              <a:rPr lang="en-US"/>
               <a:t>Click to edit Master text styles</a:t>
             </a:r>
           </a:p>
           <a:p>
             <a:pPr lvl="1"/>
             <a:r>
-              <a:rPr lang="en-US" smtClean="0"/>
+              <a:rPr lang="en-US"/>
               <a:t>Second level</a:t>
             </a:r>
           </a:p>
           <a:p>
             <a:pPr lvl="2"/>
             <a:r>
-              <a:rPr lang="en-US" smtClean="0"/>
+              <a:rPr lang="en-US"/>
               <a:t>Third level</a:t>
             </a:r>
           </a:p>
           <a:p>
             <a:pPr lvl="3"/>
             <a:r>
-              <a:rPr lang="en-US" smtClean="0"/>
+              <a:rPr lang="en-US"/>
               <a:t>Fourth level</a:t>
             </a:r>
           </a:p>
           <a:p>
             <a:pPr lvl="4"/>
             <a:r>
-              <a:rPr lang="en-US" smtClean="0"/>
+              <a:rPr lang="en-US"/>
               <a:t>Fifth level</a:t>
             </a:r>
             <a:endParaRPr lang="en-US" dirty="0"/>
@@ -3453,35 +3455,35 @@
           <a:p>
             <a:pPr lvl="0"/>
             <a:r>
-              <a:rPr lang="en-US" smtClean="0"/>
+              <a:rPr lang="en-US"/>
               <a:t>Click to edit Master text styles</a:t>
             </a:r>
           </a:p>
           <a:p>
             <a:pPr lvl="1"/>
             <a:r>
-              <a:rPr lang="en-US" smtClean="0"/>
+              <a:rPr lang="en-US"/>
               <a:t>Second level</a:t>
             </a:r>
           </a:p>
           <a:p>
             <a:pPr lvl="2"/>
             <a:r>
-              <a:rPr lang="en-US" smtClean="0"/>
+              <a:rPr lang="en-US"/>
               <a:t>Third level</a:t>
             </a:r>
           </a:p>
           <a:p>
             <a:pPr lvl="3"/>
             <a:r>
-              <a:rPr lang="en-US" smtClean="0"/>
+              <a:rPr lang="en-US"/>
               <a:t>Fourth level</a:t>
             </a:r>
           </a:p>
           <a:p>
             <a:pPr lvl="4"/>
             <a:r>
-              <a:rPr lang="en-US" smtClean="0"/>
+              <a:rPr lang="en-US"/>
               <a:t>Fifth level</a:t>
             </a:r>
             <a:endParaRPr lang="en-US" dirty="0"/>
@@ -3506,7 +3508,7 @@
             <a:fld id="{B61BEF0D-F0BB-DE4B-95CE-6DB70DBA9567}" type="datetimeFigureOut">
               <a:rPr lang="en-US" dirty="0"/>
               <a:pPr/>
-              <a:t>4/18/2016</a:t>
+              <a:t>4/21/2016</a:t>
             </a:fld>
             <a:endParaRPr lang="en-US" dirty="0"/>
           </a:p>
@@ -3683,7 +3685,7 @@
           <a:lstStyle/>
           <a:p>
             <a:r>
-              <a:rPr lang="en-US" smtClean="0"/>
+              <a:rPr lang="en-US"/>
               <a:t>Click to edit Master title style</a:t>
             </a:r>
             <a:endParaRPr lang="en-US" dirty="0"/>
@@ -3751,7 +3753,7 @@
           <a:p>
             <a:pPr lvl="0"/>
             <a:r>
-              <a:rPr lang="en-US" smtClean="0"/>
+              <a:rPr lang="en-US"/>
               <a:t>Click to edit Master text styles</a:t>
             </a:r>
           </a:p>
@@ -3781,35 +3783,35 @@
           <a:p>
             <a:pPr lvl="0"/>
             <a:r>
-              <a:rPr lang="en-US" smtClean="0"/>
+              <a:rPr lang="en-US"/>
               <a:t>Click to edit Master text styles</a:t>
             </a:r>
           </a:p>
           <a:p>
             <a:pPr lvl="1"/>
             <a:r>
-              <a:rPr lang="en-US" smtClean="0"/>
+              <a:rPr lang="en-US"/>
               <a:t>Second level</a:t>
             </a:r>
           </a:p>
           <a:p>
             <a:pPr lvl="2"/>
             <a:r>
-              <a:rPr lang="en-US" smtClean="0"/>
+              <a:rPr lang="en-US"/>
               <a:t>Third level</a:t>
             </a:r>
           </a:p>
           <a:p>
             <a:pPr lvl="3"/>
             <a:r>
-              <a:rPr lang="en-US" smtClean="0"/>
+              <a:rPr lang="en-US"/>
               <a:t>Fourth level</a:t>
             </a:r>
           </a:p>
           <a:p>
             <a:pPr lvl="4"/>
             <a:r>
-              <a:rPr lang="en-US" smtClean="0"/>
+              <a:rPr lang="en-US"/>
               <a:t>Fifth level</a:t>
             </a:r>
             <a:endParaRPr lang="en-US" dirty="0"/>
@@ -3877,7 +3879,7 @@
           <a:p>
             <a:pPr lvl="0"/>
             <a:r>
-              <a:rPr lang="en-US" smtClean="0"/>
+              <a:rPr lang="en-US"/>
               <a:t>Click to edit Master text styles</a:t>
             </a:r>
           </a:p>
@@ -3907,35 +3909,35 @@
           <a:p>
             <a:pPr lvl="0"/>
             <a:r>
-              <a:rPr lang="en-US" smtClean="0"/>
+              <a:rPr lang="en-US"/>
               <a:t>Click to edit Master text styles</a:t>
             </a:r>
           </a:p>
           <a:p>
             <a:pPr lvl="1"/>
             <a:r>
-              <a:rPr lang="en-US" smtClean="0"/>
+              <a:rPr lang="en-US"/>
               <a:t>Second level</a:t>
             </a:r>
           </a:p>
           <a:p>
             <a:pPr lvl="2"/>
             <a:r>
-              <a:rPr lang="en-US" smtClean="0"/>
+              <a:rPr lang="en-US"/>
               <a:t>Third level</a:t>
             </a:r>
           </a:p>
           <a:p>
             <a:pPr lvl="3"/>
             <a:r>
-              <a:rPr lang="en-US" smtClean="0"/>
+              <a:rPr lang="en-US"/>
               <a:t>Fourth level</a:t>
             </a:r>
           </a:p>
           <a:p>
             <a:pPr lvl="4"/>
             <a:r>
-              <a:rPr lang="en-US" smtClean="0"/>
+              <a:rPr lang="en-US"/>
               <a:t>Fifth level</a:t>
             </a:r>
             <a:endParaRPr lang="en-US" dirty="0"/>
@@ -3960,7 +3962,7 @@
             <a:fld id="{B61BEF0D-F0BB-DE4B-95CE-6DB70DBA9567}" type="datetimeFigureOut">
               <a:rPr lang="en-US" dirty="0"/>
               <a:pPr/>
-              <a:t>4/18/2016</a:t>
+              <a:t>4/21/2016</a:t>
             </a:fld>
             <a:endParaRPr lang="en-US" dirty="0"/>
           </a:p>
@@ -4137,7 +4139,7 @@
           <a:lstStyle/>
           <a:p>
             <a:r>
-              <a:rPr lang="en-US" smtClean="0"/>
+              <a:rPr lang="en-US"/>
               <a:t>Click to edit Master title style</a:t>
             </a:r>
             <a:endParaRPr lang="en-US" dirty="0"/>
@@ -4162,7 +4164,7 @@
             <a:fld id="{B61BEF0D-F0BB-DE4B-95CE-6DB70DBA9567}" type="datetimeFigureOut">
               <a:rPr lang="en-US" dirty="0"/>
               <a:pPr/>
-              <a:t>4/18/2016</a:t>
+              <a:t>4/21/2016</a:t>
             </a:fld>
             <a:endParaRPr lang="en-US" dirty="0"/>
           </a:p>
@@ -4336,7 +4338,7 @@
             <a:fld id="{B61BEF0D-F0BB-DE4B-95CE-6DB70DBA9567}" type="datetimeFigureOut">
               <a:rPr lang="en-US" dirty="0"/>
               <a:pPr/>
-              <a:t>4/18/2016</a:t>
+              <a:t>4/21/2016</a:t>
             </a:fld>
             <a:endParaRPr lang="en-US" dirty="0"/>
           </a:p>
@@ -4517,7 +4519,7 @@
           </a:lstStyle>
           <a:p>
             <a:r>
-              <a:rPr lang="en-US" smtClean="0"/>
+              <a:rPr lang="en-US"/>
               <a:t>Click to edit Master title style</a:t>
             </a:r>
             <a:endParaRPr lang="en-US" dirty="0"/>
@@ -4548,35 +4550,35 @@
           <a:p>
             <a:pPr lvl="0"/>
             <a:r>
-              <a:rPr lang="en-US" smtClean="0"/>
+              <a:rPr lang="en-US"/>
               <a:t>Click to edit Master text styles</a:t>
             </a:r>
           </a:p>
           <a:p>
             <a:pPr lvl="1"/>
             <a:r>
-              <a:rPr lang="en-US" smtClean="0"/>
+              <a:rPr lang="en-US"/>
               <a:t>Second level</a:t>
             </a:r>
           </a:p>
           <a:p>
             <a:pPr lvl="2"/>
             <a:r>
-              <a:rPr lang="en-US" smtClean="0"/>
+              <a:rPr lang="en-US"/>
               <a:t>Third level</a:t>
             </a:r>
           </a:p>
           <a:p>
             <a:pPr lvl="3"/>
             <a:r>
-              <a:rPr lang="en-US" smtClean="0"/>
+              <a:rPr lang="en-US"/>
               <a:t>Fourth level</a:t>
             </a:r>
           </a:p>
           <a:p>
             <a:pPr lvl="4"/>
             <a:r>
-              <a:rPr lang="en-US" smtClean="0"/>
+              <a:rPr lang="en-US"/>
               <a:t>Fifth level</a:t>
             </a:r>
             <a:endParaRPr lang="en-US" dirty="0"/>
@@ -4642,7 +4644,7 @@
           <a:p>
             <a:pPr lvl="0"/>
             <a:r>
-              <a:rPr lang="en-US" smtClean="0"/>
+              <a:rPr lang="en-US"/>
               <a:t>Click to edit Master text styles</a:t>
             </a:r>
           </a:p>
@@ -4666,7 +4668,7 @@
             <a:fld id="{B61BEF0D-F0BB-DE4B-95CE-6DB70DBA9567}" type="datetimeFigureOut">
               <a:rPr lang="en-US" dirty="0"/>
               <a:pPr/>
-              <a:t>4/18/2016</a:t>
+              <a:t>4/21/2016</a:t>
             </a:fld>
             <a:endParaRPr lang="en-US" dirty="0"/>
           </a:p>
@@ -4849,7 +4851,7 @@
           </a:lstStyle>
           <a:p>
             <a:r>
-              <a:rPr lang="en-US" smtClean="0"/>
+              <a:rPr lang="en-US"/>
               <a:t>Click to edit Master title style</a:t>
             </a:r>
             <a:endParaRPr lang="en-US" dirty="0"/>
@@ -4916,7 +4918,7 @@
           </a:lstStyle>
           <a:p>
             <a:r>
-              <a:rPr lang="en-US" smtClean="0"/>
+              <a:rPr lang="en-US"/>
               <a:t>Click icon to add picture</a:t>
             </a:r>
             <a:endParaRPr lang="en-US" dirty="0"/>
@@ -4984,7 +4986,7 @@
           <a:p>
             <a:pPr lvl="0"/>
             <a:r>
-              <a:rPr lang="en-US" smtClean="0"/>
+              <a:rPr lang="en-US"/>
               <a:t>Click to edit Master text styles</a:t>
             </a:r>
           </a:p>
@@ -5008,7 +5010,7 @@
             <a:fld id="{B61BEF0D-F0BB-DE4B-95CE-6DB70DBA9567}" type="datetimeFigureOut">
               <a:rPr lang="en-US" dirty="0"/>
               <a:pPr/>
-              <a:t>4/18/2016</a:t>
+              <a:t>4/21/2016</a:t>
             </a:fld>
             <a:endParaRPr lang="en-US" dirty="0"/>
           </a:p>
@@ -7017,7 +7019,7 @@
           <a:lstStyle/>
           <a:p>
             <a:r>
-              <a:rPr lang="en-US" smtClean="0"/>
+              <a:rPr lang="en-US"/>
               <a:t>Click to edit Master title style</a:t>
             </a:r>
             <a:endParaRPr lang="en-US" dirty="0"/>
@@ -7051,35 +7053,35 @@
           <a:p>
             <a:pPr lvl="0"/>
             <a:r>
-              <a:rPr lang="en-US" smtClean="0"/>
+              <a:rPr lang="en-US"/>
               <a:t>Click to edit Master text styles</a:t>
             </a:r>
           </a:p>
           <a:p>
             <a:pPr lvl="1"/>
             <a:r>
-              <a:rPr lang="en-US" smtClean="0"/>
+              <a:rPr lang="en-US"/>
               <a:t>Second level</a:t>
             </a:r>
           </a:p>
           <a:p>
             <a:pPr lvl="2"/>
             <a:r>
-              <a:rPr lang="en-US" smtClean="0"/>
+              <a:rPr lang="en-US"/>
               <a:t>Third level</a:t>
             </a:r>
           </a:p>
           <a:p>
             <a:pPr lvl="3"/>
             <a:r>
-              <a:rPr lang="en-US" smtClean="0"/>
+              <a:rPr lang="en-US"/>
               <a:t>Fourth level</a:t>
             </a:r>
           </a:p>
           <a:p>
             <a:pPr lvl="4"/>
             <a:r>
-              <a:rPr lang="en-US" smtClean="0"/>
+              <a:rPr lang="en-US"/>
               <a:t>Fifth level</a:t>
             </a:r>
             <a:endParaRPr lang="en-US" dirty="0"/>
@@ -7122,7 +7124,7 @@
             <a:fld id="{B61BEF0D-F0BB-DE4B-95CE-6DB70DBA9567}" type="datetimeFigureOut">
               <a:rPr lang="en-US" dirty="0"/>
               <a:pPr/>
-              <a:t>4/18/2016</a:t>
+              <a:t>4/21/2016</a:t>
             </a:fld>
             <a:endParaRPr lang="en-US" dirty="0"/>
           </a:p>
@@ -7656,29 +7658,29 @@
           <a:lstStyle/>
           <a:p>
             <a:r>
-              <a:rPr lang="en-US" dirty="0" smtClean="0"/>
+              <a:rPr lang="en-US" dirty="0"/>
               <a:t>COMP397 – Web Gaming Final Project</a:t>
             </a:r>
           </a:p>
           <a:p>
             <a:r>
-              <a:rPr lang="en-US" dirty="0" smtClean="0"/>
+              <a:rPr lang="en-US" dirty="0"/>
               <a:t>Created by Douglas </a:t>
             </a:r>
             <a:r>
-              <a:rPr lang="en-US" dirty="0" err="1" smtClean="0"/>
+              <a:rPr lang="en-US" dirty="0" err="1"/>
               <a:t>Krein</a:t>
             </a:r>
             <a:r>
-              <a:rPr lang="en-US" dirty="0" smtClean="0"/>
+              <a:rPr lang="en-US" dirty="0"/>
               <a:t>, Francis </a:t>
             </a:r>
             <a:r>
-              <a:rPr lang="en-US" dirty="0" err="1" smtClean="0"/>
+              <a:rPr lang="en-US" dirty="0" err="1"/>
               <a:t>Ofougwuka</a:t>
             </a:r>
             <a:r>
-              <a:rPr lang="en-US" dirty="0" smtClean="0"/>
+              <a:rPr lang="en-US" dirty="0"/>
               <a:t>, Christine Cho</a:t>
             </a:r>
             <a:endParaRPr lang="en-CA" dirty="0"/>
@@ -7781,11 +7783,12 @@
           </a:bodyPr>
           <a:lstStyle/>
           <a:p>
-            <a:r>
-              <a:rPr lang="en-US" sz="8000" dirty="0" smtClean="0">
+            <a:pPr algn="ctr"/>
+            <a:r>
+              <a:rPr lang="en-US" sz="8000" dirty="0">
                 <a:latin typeface="Dragonbones BB" panose="02000506000000020004" pitchFamily="2" charset="0"/>
               </a:rPr>
-              <a:t>~~~~Demonstration~~~~</a:t>
+              <a:t>~~~Demonstration~~~</a:t>
             </a:r>
             <a:endParaRPr lang="en-CA" sz="8000" dirty="0">
               <a:latin typeface="Dragonbones BB" panose="02000506000000020004" pitchFamily="2" charset="0"/>
@@ -7841,7 +7844,7 @@
           <a:lstStyle/>
           <a:p>
             <a:r>
-              <a:rPr lang="en-US" sz="6000" dirty="0" smtClean="0">
+              <a:rPr lang="en-US" sz="6000" dirty="0">
                 <a:latin typeface="Dragonbones BB" panose="02000506000000020004" pitchFamily="2" charset="0"/>
               </a:rPr>
               <a:t>Lessons learned</a:t>
@@ -7862,7 +7865,12 @@
             <p:ph idx="1"/>
           </p:nvPr>
         </p:nvSpPr>
-        <p:spPr/>
+        <p:spPr>
+          <a:xfrm>
+            <a:off x="1661746" y="2133600"/>
+            <a:ext cx="9842866" cy="3777622"/>
+          </a:xfrm>
+        </p:spPr>
         <p:txBody>
           <a:bodyPr>
             <a:normAutofit/>
@@ -7871,30 +7879,57 @@
           <a:p>
             <a:pPr lvl="2"/>
             <a:r>
-              <a:rPr lang="en-US" sz="2400" dirty="0" smtClean="0">
+              <a:rPr lang="en-US" sz="3200" dirty="0">
                 <a:latin typeface="Dragonbones BB" panose="02000506000000020004" pitchFamily="2" charset="0"/>
               </a:rPr>
-              <a:t>Fireball collision array</a:t>
+              <a:t> Typescript </a:t>
             </a:r>
           </a:p>
           <a:p>
             <a:pPr lvl="2"/>
-            <a:r>
-              <a:rPr lang="en-US" sz="2400" dirty="0" smtClean="0">
+            <a:endParaRPr lang="en-US" sz="3200" dirty="0">
+              <a:latin typeface="Dragonbones BB" panose="02000506000000020004" pitchFamily="2" charset="0"/>
+            </a:endParaRPr>
+          </a:p>
+          <a:p>
+            <a:pPr lvl="2"/>
+            <a:r>
+              <a:rPr lang="en-US" sz="3200" dirty="0">
                 <a:latin typeface="Dragonbones BB" panose="02000506000000020004" pitchFamily="2" charset="0"/>
               </a:rPr>
-              <a:t>Create a scrolling background </a:t>
-            </a:r>
-            <a:r>
-              <a:rPr lang="en-US" sz="2400" smtClean="0">
+              <a:t> Fireball collision array</a:t>
+            </a:r>
+          </a:p>
+          <a:p>
+            <a:pPr lvl="2"/>
+            <a:endParaRPr lang="en-US" sz="3200" dirty="0">
+              <a:latin typeface="Dragonbones BB" panose="02000506000000020004" pitchFamily="2" charset="0"/>
+            </a:endParaRPr>
+          </a:p>
+          <a:p>
+            <a:pPr lvl="2"/>
+            <a:r>
+              <a:rPr lang="en-US" sz="3200" dirty="0">
                 <a:latin typeface="Dragonbones BB" panose="02000506000000020004" pitchFamily="2" charset="0"/>
               </a:rPr>
-              <a:t>with continuous loop</a:t>
+              <a:t> Create a scrolling background with continuous loop</a:t>
             </a:r>
           </a:p>
           <a:p>
             <a:pPr lvl="2"/>
-            <a:endParaRPr lang="en-US" sz="2400" dirty="0" smtClean="0">
+            <a:endParaRPr lang="en-US" sz="2400" dirty="0">
+              <a:latin typeface="Dragonbones BB" panose="02000506000000020004" pitchFamily="2" charset="0"/>
+            </a:endParaRPr>
+          </a:p>
+          <a:p>
+            <a:pPr lvl="2"/>
+            <a:endParaRPr lang="en-US" sz="2400" dirty="0">
+              <a:latin typeface="Dragonbones BB" panose="02000506000000020004" pitchFamily="2" charset="0"/>
+            </a:endParaRPr>
+          </a:p>
+          <a:p>
+            <a:pPr lvl="2"/>
+            <a:endParaRPr lang="en-US" sz="2400" dirty="0">
               <a:latin typeface="Dragonbones BB" panose="02000506000000020004" pitchFamily="2" charset="0"/>
             </a:endParaRPr>
           </a:p>
@@ -7948,7 +7983,7 @@
           <a:lstStyle/>
           <a:p>
             <a:r>
-              <a:rPr lang="en-US" sz="6000" dirty="0" smtClean="0">
+              <a:rPr lang="en-US" sz="6000" dirty="0">
                 <a:latin typeface="Dragonbones BB" panose="02000506000000020004" pitchFamily="2" charset="0"/>
               </a:rPr>
               <a:t>Future possibilities</a:t>
@@ -7977,49 +8012,54 @@
           <a:lstStyle/>
           <a:p>
             <a:r>
-              <a:rPr lang="en-US" sz="2400" dirty="0" smtClean="0">
+              <a:rPr lang="en-US" sz="2400" dirty="0">
                 <a:latin typeface="Dragonbones BB" panose="02000506000000020004" pitchFamily="2" charset="0"/>
               </a:rPr>
-              <a:t>MORE LEVELS</a:t>
-            </a:r>
-          </a:p>
-          <a:p>
-            <a:r>
-              <a:rPr lang="en-US" sz="2400" smtClean="0">
+              <a:t>More Levels</a:t>
+            </a:r>
+          </a:p>
+          <a:p>
+            <a:r>
+              <a:rPr lang="en-US" sz="2400" dirty="0">
                 <a:latin typeface="Dragonbones BB" panose="02000506000000020004" pitchFamily="2" charset="0"/>
               </a:rPr>
-              <a:t>Multiplayer?</a:t>
-            </a:r>
-            <a:endParaRPr lang="en-US" sz="2400" dirty="0" smtClean="0">
-              <a:latin typeface="Dragonbones BB" panose="02000506000000020004" pitchFamily="2" charset="0"/>
-            </a:endParaRPr>
-          </a:p>
-          <a:p>
-            <a:r>
-              <a:rPr lang="en-US" sz="2400" dirty="0" smtClean="0">
+              <a:t>Multiplayer</a:t>
+            </a:r>
+          </a:p>
+          <a:p>
+            <a:r>
+              <a:rPr lang="en-US" sz="2400" dirty="0">
                 <a:latin typeface="Dragonbones BB" panose="02000506000000020004" pitchFamily="2" charset="0"/>
               </a:rPr>
-              <a:t>PROVIDE MORE FREEDOM TO THE PLAYER</a:t>
+              <a:t>Provide more freedom to the player</a:t>
             </a:r>
           </a:p>
           <a:p>
             <a:pPr lvl="1"/>
             <a:r>
-              <a:rPr lang="en-US" sz="2200" dirty="0" smtClean="0">
+              <a:rPr lang="en-US" sz="2200" dirty="0">
                 <a:latin typeface="Dragonbones BB" panose="02000506000000020004" pitchFamily="2" charset="0"/>
               </a:rPr>
-              <a:t>LESS MOVEMENT RESTRICTIONS</a:t>
+              <a:t>Less movement restrictions</a:t>
             </a:r>
           </a:p>
           <a:p>
             <a:pPr lvl="1"/>
             <a:r>
-              <a:rPr lang="en-US" sz="2200" dirty="0" smtClean="0">
+              <a:rPr lang="en-US" sz="2200" dirty="0">
                 <a:latin typeface="Dragonbones BB" panose="02000506000000020004" pitchFamily="2" charset="0"/>
               </a:rPr>
-              <a:t>POWER UPS</a:t>
-            </a:r>
-            <a:endParaRPr lang="en-CA" sz="2200" dirty="0">
+              <a:t>Power ups</a:t>
+            </a:r>
+          </a:p>
+          <a:p>
+            <a:r>
+              <a:rPr lang="en-US" sz="2400" dirty="0">
+                <a:latin typeface="Dragonbones BB" panose="02000506000000020004" pitchFamily="2" charset="0"/>
+              </a:rPr>
+              <a:t>Animation on sprites</a:t>
+            </a:r>
+            <a:endParaRPr lang="en-CA" sz="2400" dirty="0">
               <a:latin typeface="Dragonbones BB" panose="02000506000000020004" pitchFamily="2" charset="0"/>
             </a:endParaRPr>
           </a:p>
@@ -8029,6 +8069,130 @@
     <p:extLst>
       <p:ext uri="{BB962C8B-B14F-4D97-AF65-F5344CB8AC3E}">
         <p14:creationId xmlns:p14="http://schemas.microsoft.com/office/powerpoint/2010/main" val="788982067"/>
+      </p:ext>
+    </p:extLst>
+  </p:cSld>
+  <p:clrMapOvr>
+    <a:masterClrMapping/>
+  </p:clrMapOvr>
+</p:sld>
+</file>
+
+<file path=ppt/slides/slide13.xml><?xml version="1.0" encoding="utf-8"?>
+<p:sld xmlns:a="http://schemas.openxmlformats.org/drawingml/2006/main" xmlns:r="http://schemas.openxmlformats.org/officeDocument/2006/relationships" xmlns:p="http://schemas.openxmlformats.org/presentationml/2006/main">
+  <p:cSld>
+    <p:spTree>
+      <p:nvGrpSpPr>
+        <p:cNvPr id="1" name=""/>
+        <p:cNvGrpSpPr/>
+        <p:nvPr/>
+      </p:nvGrpSpPr>
+      <p:grpSpPr>
+        <a:xfrm>
+          <a:off x="0" y="0"/>
+          <a:ext cx="0" cy="0"/>
+          <a:chOff x="0" y="0"/>
+          <a:chExt cx="0" cy="0"/>
+        </a:xfrm>
+      </p:grpSpPr>
+      <p:sp>
+        <p:nvSpPr>
+          <p:cNvPr id="3" name="Content Placeholder 2"/>
+          <p:cNvSpPr>
+            <a:spLocks noGrp="1"/>
+          </p:cNvSpPr>
+          <p:nvPr>
+            <p:ph idx="1"/>
+          </p:nvPr>
+        </p:nvSpPr>
+        <p:spPr>
+          <a:xfrm>
+            <a:off x="3640015" y="2784230"/>
+            <a:ext cx="6576647" cy="1312985"/>
+          </a:xfrm>
+        </p:spPr>
+        <p:txBody>
+          <a:bodyPr>
+            <a:noAutofit/>
+          </a:bodyPr>
+          <a:lstStyle/>
+          <a:p>
+            <a:pPr marL="0" indent="0">
+              <a:buNone/>
+            </a:pPr>
+            <a:r>
+              <a:rPr lang="en-CA" sz="8000" dirty="0"/>
+              <a:t>QUESTIONS?</a:t>
+            </a:r>
+          </a:p>
+        </p:txBody>
+      </p:sp>
+    </p:spTree>
+    <p:extLst>
+      <p:ext uri="{BB962C8B-B14F-4D97-AF65-F5344CB8AC3E}">
+        <p14:creationId xmlns:p14="http://schemas.microsoft.com/office/powerpoint/2010/main" val="883106854"/>
+      </p:ext>
+    </p:extLst>
+  </p:cSld>
+  <p:clrMapOvr>
+    <a:masterClrMapping/>
+  </p:clrMapOvr>
+</p:sld>
+</file>
+
+<file path=ppt/slides/slide14.xml><?xml version="1.0" encoding="utf-8"?>
+<p:sld xmlns:a="http://schemas.openxmlformats.org/drawingml/2006/main" xmlns:r="http://schemas.openxmlformats.org/officeDocument/2006/relationships" xmlns:p="http://schemas.openxmlformats.org/presentationml/2006/main">
+  <p:cSld>
+    <p:spTree>
+      <p:nvGrpSpPr>
+        <p:cNvPr id="1" name=""/>
+        <p:cNvGrpSpPr/>
+        <p:nvPr/>
+      </p:nvGrpSpPr>
+      <p:grpSpPr>
+        <a:xfrm>
+          <a:off x="0" y="0"/>
+          <a:ext cx="0" cy="0"/>
+          <a:chOff x="0" y="0"/>
+          <a:chExt cx="0" cy="0"/>
+        </a:xfrm>
+      </p:grpSpPr>
+      <p:sp>
+        <p:nvSpPr>
+          <p:cNvPr id="3" name="Content Placeholder 2"/>
+          <p:cNvSpPr>
+            <a:spLocks noGrp="1"/>
+          </p:cNvSpPr>
+          <p:nvPr>
+            <p:ph idx="1"/>
+          </p:nvPr>
+        </p:nvSpPr>
+        <p:spPr>
+          <a:xfrm>
+            <a:off x="3640015" y="2784230"/>
+            <a:ext cx="6576647" cy="1312985"/>
+          </a:xfrm>
+        </p:spPr>
+        <p:txBody>
+          <a:bodyPr>
+            <a:noAutofit/>
+          </a:bodyPr>
+          <a:lstStyle/>
+          <a:p>
+            <a:pPr marL="0" indent="0">
+              <a:buNone/>
+            </a:pPr>
+            <a:r>
+              <a:rPr lang="en-CA" sz="8000" dirty="0"/>
+              <a:t>THANK YOU</a:t>
+            </a:r>
+          </a:p>
+        </p:txBody>
+      </p:sp>
+    </p:spTree>
+    <p:extLst>
+      <p:ext uri="{BB962C8B-B14F-4D97-AF65-F5344CB8AC3E}">
+        <p14:creationId xmlns:p14="http://schemas.microsoft.com/office/powerpoint/2010/main" val="19611831"/>
       </p:ext>
     </p:extLst>
   </p:cSld>
@@ -8073,7 +8237,7 @@
           <a:lstStyle/>
           <a:p>
             <a:r>
-              <a:rPr lang="en-US" sz="6000" dirty="0" smtClean="0">
+              <a:rPr lang="en-US" sz="6000" dirty="0">
                 <a:latin typeface="Dragonbones BB" panose="02000506000000020004" pitchFamily="2" charset="0"/>
               </a:rPr>
               <a:t>Game Overview</a:t>
@@ -8102,19 +8266,19 @@
           <a:lstStyle/>
           <a:p>
             <a:r>
-              <a:rPr lang="en-US" sz="2800" dirty="0" smtClean="0">
+              <a:rPr lang="en-US" sz="2800" dirty="0">
                 <a:latin typeface="Dragonbones BB" panose="02000506000000020004" pitchFamily="2" charset="0"/>
               </a:rPr>
               <a:t>2D Side </a:t>
             </a:r>
             <a:r>
-              <a:rPr lang="en-US" sz="2800" dirty="0" err="1" smtClean="0">
+              <a:rPr lang="en-US" sz="2800" dirty="0" err="1">
                 <a:latin typeface="Dragonbones BB" panose="02000506000000020004" pitchFamily="2" charset="0"/>
               </a:rPr>
               <a:t>scroller</a:t>
             </a:r>
             <a:r>
-              <a:rPr lang="en-US" sz="2800" dirty="0" smtClean="0">
+              <a:rPr lang="en-US" sz="2800" dirty="0">
                 <a:latin typeface="Dragonbones BB" panose="02000506000000020004" pitchFamily="2" charset="0"/>
               </a:rPr>
               <a:t> with a dragon protagonist</a:t>
@@ -8122,7 +8286,7 @@
           </a:p>
           <a:p>
             <a:r>
-              <a:rPr lang="en-US" sz="2800" dirty="0" smtClean="0">
+              <a:rPr lang="en-US" sz="2800" dirty="0">
                 <a:latin typeface="Dragonbones BB" panose="02000506000000020004" pitchFamily="2" charset="0"/>
               </a:rPr>
               <a:t>Escape dragon lair with eggs</a:t>
@@ -8130,7 +8294,7 @@
           </a:p>
           <a:p>
             <a:r>
-              <a:rPr lang="en-US" sz="2800" dirty="0" smtClean="0">
+              <a:rPr lang="en-US" sz="2800" dirty="0">
                 <a:latin typeface="Dragonbones BB" panose="02000506000000020004" pitchFamily="2" charset="0"/>
               </a:rPr>
               <a:t>Avoid corrupted dragons</a:t>
@@ -8138,7 +8302,7 @@
           </a:p>
           <a:p>
             <a:r>
-              <a:rPr lang="en-US" sz="2800" dirty="0" smtClean="0">
+              <a:rPr lang="en-US" sz="2800" dirty="0">
                 <a:latin typeface="Dragonbones BB" panose="02000506000000020004" pitchFamily="2" charset="0"/>
               </a:rPr>
               <a:t>Return to lair when stronger to reclaim it</a:t>
@@ -8314,10 +8478,10 @@
           <a:lstStyle/>
           <a:p>
             <a:r>
-              <a:rPr lang="en-US" sz="6000" dirty="0" smtClean="0">
+              <a:rPr lang="en-US" sz="6000" dirty="0">
                 <a:latin typeface="Dragonbones BB" panose="02000506000000020004" pitchFamily="2" charset="0"/>
               </a:rPr>
-              <a:t>Game overview</a:t>
+              <a:t>Game Overview</a:t>
             </a:r>
             <a:endParaRPr lang="en-CA" sz="5400" dirty="0">
               <a:latin typeface="Dragonbones BB" panose="02000506000000020004" pitchFamily="2" charset="0"/>
@@ -8349,13 +8513,7 @@
               <a:rPr lang="en-US" sz="2800" dirty="0">
                 <a:latin typeface="Dragonbones BB" panose="02000506000000020004" pitchFamily="2" charset="0"/>
               </a:rPr>
-              <a:t>Games these days are mostly about killing </a:t>
-            </a:r>
-            <a:r>
-              <a:rPr lang="en-US" sz="2800" dirty="0" smtClean="0">
-                <a:latin typeface="Dragonbones BB" panose="02000506000000020004" pitchFamily="2" charset="0"/>
-              </a:rPr>
-              <a:t>dragons</a:t>
+              <a:t>Games these days are mostly about killing dragons</a:t>
             </a:r>
           </a:p>
           <a:p>
@@ -8364,23 +8522,23 @@
             </a:endParaRPr>
           </a:p>
           <a:p>
-            <a:endParaRPr lang="en-US" sz="2800" dirty="0" smtClean="0">
-              <a:latin typeface="Dragonbones BB" panose="02000506000000020004" pitchFamily="2" charset="0"/>
-            </a:endParaRPr>
-          </a:p>
-          <a:p>
             <a:endParaRPr lang="en-US" sz="2800" dirty="0">
               <a:latin typeface="Dragonbones BB" panose="02000506000000020004" pitchFamily="2" charset="0"/>
             </a:endParaRPr>
           </a:p>
           <a:p>
-            <a:endParaRPr lang="en-US" sz="2800" dirty="0" smtClean="0">
+            <a:endParaRPr lang="en-US" sz="2800" dirty="0">
               <a:latin typeface="Dragonbones BB" panose="02000506000000020004" pitchFamily="2" charset="0"/>
             </a:endParaRPr>
           </a:p>
           <a:p>
-            <a:r>
-              <a:rPr lang="en-US" sz="2800" dirty="0" smtClean="0">
+            <a:endParaRPr lang="en-US" sz="2800" dirty="0">
+              <a:latin typeface="Dragonbones BB" panose="02000506000000020004" pitchFamily="2" charset="0"/>
+            </a:endParaRPr>
+          </a:p>
+          <a:p>
+            <a:r>
+              <a:rPr lang="en-US" sz="2800" dirty="0">
                 <a:latin typeface="Dragonbones BB" panose="02000506000000020004" pitchFamily="2" charset="0"/>
               </a:rPr>
               <a:t>Never about the life as one though</a:t>
@@ -8560,7 +8718,7 @@
           <a:lstStyle/>
           <a:p>
             <a:r>
-              <a:rPr lang="en-US" sz="6000" dirty="0" smtClean="0">
+              <a:rPr lang="en-US" sz="6000" dirty="0">
                 <a:latin typeface="Dragonbones BB" panose="02000506000000020004" pitchFamily="2" charset="0"/>
               </a:rPr>
               <a:t>Original Plan</a:t>
@@ -8594,7 +8752,7 @@
           <a:lstStyle/>
           <a:p>
             <a:r>
-              <a:rPr lang="en-US" sz="2400" dirty="0" smtClean="0">
+              <a:rPr lang="en-US" sz="2400" dirty="0">
                 <a:latin typeface="Dragonbones BB" panose="02000506000000020004" pitchFamily="2" charset="0"/>
               </a:rPr>
               <a:t>Based off another assignment</a:t>
@@ -8603,15 +8761,21 @@
           <a:p>
             <a:pPr lvl="1"/>
             <a:r>
-              <a:rPr lang="en-US" sz="2200" dirty="0" smtClean="0">
+              <a:rPr lang="en-US" sz="2200" dirty="0">
                 <a:latin typeface="Dragonbones BB" panose="02000506000000020004" pitchFamily="2" charset="0"/>
               </a:rPr>
               <a:t>Originally a pure survival game</a:t>
             </a:r>
           </a:p>
           <a:p>
-            <a:r>
-              <a:rPr lang="en-US" sz="2400" dirty="0" smtClean="0">
+            <a:pPr lvl="1"/>
+            <a:endParaRPr lang="en-US" sz="2200" dirty="0">
+              <a:latin typeface="Dragonbones BB" panose="02000506000000020004" pitchFamily="2" charset="0"/>
+            </a:endParaRPr>
+          </a:p>
+          <a:p>
+            <a:r>
+              <a:rPr lang="en-US" sz="2400" dirty="0">
                 <a:latin typeface="Dragonbones BB" panose="02000506000000020004" pitchFamily="2" charset="0"/>
               </a:rPr>
               <a:t>Code and ideas were constructed based on level</a:t>
@@ -8620,7 +8784,7 @@
           <a:p>
             <a:pPr lvl="1"/>
             <a:r>
-              <a:rPr lang="en-US" sz="2200" dirty="0" smtClean="0">
+              <a:rPr lang="en-US" sz="2200" dirty="0">
                 <a:latin typeface="Dragonbones BB" panose="02000506000000020004" pitchFamily="2" charset="0"/>
               </a:rPr>
               <a:t>All the basic requirements were coded into level 1</a:t>
@@ -8629,7 +8793,7 @@
           <a:p>
             <a:pPr lvl="1"/>
             <a:r>
-              <a:rPr lang="en-US" sz="2200" dirty="0" smtClean="0">
+              <a:rPr lang="en-US" sz="2200" dirty="0">
                 <a:latin typeface="Dragonbones BB" panose="02000506000000020004" pitchFamily="2" charset="0"/>
               </a:rPr>
               <a:t>Added new difficulties per level</a:t>
@@ -8641,7 +8805,7 @@
             </a:endParaRPr>
           </a:p>
           <a:p>
-            <a:endParaRPr lang="en-US" sz="2400" dirty="0" smtClean="0">
+            <a:endParaRPr lang="en-US" sz="2400" dirty="0">
               <a:latin typeface="Dragonbones BB" panose="02000506000000020004" pitchFamily="2" charset="0"/>
             </a:endParaRPr>
           </a:p>
@@ -8695,7 +8859,7 @@
           <a:lstStyle/>
           <a:p>
             <a:r>
-              <a:rPr lang="en-US" sz="6000" dirty="0" smtClean="0">
+              <a:rPr lang="en-US" sz="6000" dirty="0">
                 <a:latin typeface="Dragonbones BB" panose="02000506000000020004" pitchFamily="2" charset="0"/>
               </a:rPr>
               <a:t>Original Plan</a:t>
@@ -8729,13 +8893,13 @@
           <a:lstStyle/>
           <a:p>
             <a:r>
-              <a:rPr lang="en-US" sz="2800" b="1" dirty="0" smtClean="0">
+              <a:rPr lang="en-US" sz="2800" b="1" dirty="0">
                 <a:latin typeface="Dragonbones BB" panose="02000506000000020004" pitchFamily="2" charset="0"/>
               </a:rPr>
               <a:t>Level 1: </a:t>
             </a:r>
             <a:r>
-              <a:rPr lang="en-US" sz="2800" dirty="0" smtClean="0">
+              <a:rPr lang="en-US" sz="2800" dirty="0">
                 <a:latin typeface="Dragonbones BB" panose="02000506000000020004" pitchFamily="2" charset="0"/>
               </a:rPr>
               <a:t>Dragons that move along X or XY Axis</a:t>
@@ -8870,13 +9034,13 @@
           <a:lstStyle/>
           <a:p>
             <a:r>
-              <a:rPr lang="en-US" sz="2800" b="1" dirty="0" smtClean="0">
+              <a:rPr lang="en-US" sz="2800" b="1" dirty="0">
                 <a:latin typeface="Dragonbones BB" panose="02000506000000020004" pitchFamily="2" charset="0"/>
               </a:rPr>
               <a:t>LEVEL 2: </a:t>
             </a:r>
             <a:r>
-              <a:rPr lang="en-US" sz="2800" dirty="0" smtClean="0">
+              <a:rPr lang="en-US" sz="2800" dirty="0">
                 <a:latin typeface="Dragonbones BB" panose="02000506000000020004" pitchFamily="2" charset="0"/>
               </a:rPr>
               <a:t>Fire breathing dragons</a:t>
@@ -8884,29 +9048,29 @@
           </a:p>
           <a:p>
             <a:r>
-              <a:rPr lang="en-US" sz="2800" dirty="0" smtClean="0">
+              <a:rPr lang="en-US" sz="2800" dirty="0">
                 <a:latin typeface="Dragonbones BB" panose="02000506000000020004" pitchFamily="2" charset="0"/>
               </a:rPr>
               <a:t>Stalagmites/stalactites on </a:t>
             </a:r>
             <a:br>
-              <a:rPr lang="en-US" sz="2800" dirty="0" smtClean="0">
+              <a:rPr lang="en-US" sz="2800" dirty="0">
                 <a:latin typeface="Dragonbones BB" panose="02000506000000020004" pitchFamily="2" charset="0"/>
               </a:rPr>
             </a:br>
             <a:r>
-              <a:rPr lang="en-US" sz="2800" dirty="0" smtClean="0">
+              <a:rPr lang="en-US" sz="2800" dirty="0">
                 <a:latin typeface="Dragonbones BB" panose="02000506000000020004" pitchFamily="2" charset="0"/>
               </a:rPr>
               <a:t>the top and bottom of the </a:t>
             </a:r>
             <a:br>
-              <a:rPr lang="en-US" sz="2800" dirty="0" smtClean="0">
+              <a:rPr lang="en-US" sz="2800" dirty="0">
                 <a:latin typeface="Dragonbones BB" panose="02000506000000020004" pitchFamily="2" charset="0"/>
               </a:rPr>
             </a:br>
             <a:r>
-              <a:rPr lang="en-US" sz="2800" dirty="0" smtClean="0">
+              <a:rPr lang="en-US" sz="2800" dirty="0">
                 <a:latin typeface="Dragonbones BB" panose="02000506000000020004" pitchFamily="2" charset="0"/>
               </a:rPr>
               <a:t>screen</a:t>
@@ -9016,7 +9180,7 @@
           <a:lstStyle/>
           <a:p>
             <a:r>
-              <a:rPr lang="en-US" sz="2800" b="1" dirty="0" smtClean="0">
+              <a:rPr lang="en-US" sz="2800" b="1" dirty="0">
                 <a:latin typeface="Dragonbones BB" panose="02000506000000020004" pitchFamily="2" charset="0"/>
               </a:rPr>
               <a:t>LEVEL 3: BOSS dragon</a:t>
@@ -9095,7 +9259,7 @@
           <a:lstStyle/>
           <a:p>
             <a:r>
-              <a:rPr lang="en-US" dirty="0" smtClean="0">
+              <a:rPr lang="en-US" dirty="0">
                 <a:latin typeface="Dragonbones BB" panose="02000506000000020004" pitchFamily="2" charset="0"/>
               </a:rPr>
               <a:t>How to play?</a:t>
@@ -9129,7 +9293,7 @@
           <a:lstStyle/>
           <a:p>
             <a:r>
-              <a:rPr lang="en-US" sz="2400" dirty="0" smtClean="0">
+              <a:rPr lang="en-US" sz="2400" dirty="0">
                 <a:latin typeface="Dragonbones BB" panose="02000506000000020004" pitchFamily="2" charset="0"/>
               </a:rPr>
               <a:t>Slide mouse up and down to move you character</a:t>
@@ -9141,13 +9305,13 @@
             </a:endParaRPr>
           </a:p>
           <a:p>
-            <a:endParaRPr lang="en-US" sz="2400" dirty="0" smtClean="0">
+            <a:endParaRPr lang="en-US" sz="2400" dirty="0">
               <a:latin typeface="Dragonbones BB" panose="02000506000000020004" pitchFamily="2" charset="0"/>
             </a:endParaRPr>
           </a:p>
           <a:p>
             <a:r>
-              <a:rPr lang="en-US" sz="2400" dirty="0" smtClean="0">
+              <a:rPr lang="en-US" sz="2400" dirty="0">
                 <a:latin typeface="Dragonbones BB" panose="02000506000000020004" pitchFamily="2" charset="0"/>
               </a:rPr>
               <a:t>Collect the following to score points:</a:t>
@@ -9359,7 +9523,7 @@
           <a:lstStyle/>
           <a:p>
             <a:r>
-              <a:rPr lang="en-US" dirty="0" smtClean="0">
+              <a:rPr lang="en-US" dirty="0">
                 <a:latin typeface="Dragonbones BB" panose="02000506000000020004" pitchFamily="2" charset="0"/>
               </a:rPr>
               <a:t>Instructions</a:t>

--- a/Doc/Presentation.pptx
+++ b/Doc/Presentation.pptx
@@ -314,7 +314,7 @@
             <a:fld id="{B61BEF0D-F0BB-DE4B-95CE-6DB70DBA9567}" type="datetimeFigureOut">
               <a:rPr lang="en-US" dirty="0"/>
               <a:pPr/>
-              <a:t>4/21/2016</a:t>
+              <a:t>4/22/2016</a:t>
             </a:fld>
             <a:endParaRPr lang="en-US" dirty="0"/>
           </a:p>
@@ -649,7 +649,7 @@
             <a:fld id="{B61BEF0D-F0BB-DE4B-95CE-6DB70DBA9567}" type="datetimeFigureOut">
               <a:rPr lang="en-US" dirty="0"/>
               <a:pPr/>
-              <a:t>4/21/2016</a:t>
+              <a:t>4/22/2016</a:t>
             </a:fld>
             <a:endParaRPr lang="en-US" dirty="0"/>
           </a:p>
@@ -1047,7 +1047,7 @@
             <a:fld id="{B61BEF0D-F0BB-DE4B-95CE-6DB70DBA9567}" type="datetimeFigureOut">
               <a:rPr lang="en-US" dirty="0"/>
               <a:pPr/>
-              <a:t>4/21/2016</a:t>
+              <a:t>4/22/2016</a:t>
             </a:fld>
             <a:endParaRPr lang="en-US" dirty="0"/>
           </a:p>
@@ -1380,7 +1380,7 @@
             <a:fld id="{B61BEF0D-F0BB-DE4B-95CE-6DB70DBA9567}" type="datetimeFigureOut">
               <a:rPr lang="en-US" dirty="0"/>
               <a:pPr/>
-              <a:t>4/21/2016</a:t>
+              <a:t>4/22/2016</a:t>
             </a:fld>
             <a:endParaRPr lang="en-US" dirty="0"/>
           </a:p>
@@ -1697,7 +1697,7 @@
             <a:fld id="{B61BEF0D-F0BB-DE4B-95CE-6DB70DBA9567}" type="datetimeFigureOut">
               <a:rPr lang="en-US" dirty="0"/>
               <a:pPr/>
-              <a:t>4/21/2016</a:t>
+              <a:t>4/22/2016</a:t>
             </a:fld>
             <a:endParaRPr lang="en-US" dirty="0"/>
           </a:p>
@@ -2090,7 +2090,7 @@
             <a:fld id="{B61BEF0D-F0BB-DE4B-95CE-6DB70DBA9567}" type="datetimeFigureOut">
               <a:rPr lang="en-US" dirty="0"/>
               <a:pPr/>
-              <a:t>4/21/2016</a:t>
+              <a:t>4/22/2016</a:t>
             </a:fld>
             <a:endParaRPr lang="en-US" dirty="0"/>
           </a:p>
@@ -2344,7 +2344,7 @@
             <a:fld id="{B61BEF0D-F0BB-DE4B-95CE-6DB70DBA9567}" type="datetimeFigureOut">
               <a:rPr lang="en-US" dirty="0"/>
               <a:pPr/>
-              <a:t>4/21/2016</a:t>
+              <a:t>4/22/2016</a:t>
             </a:fld>
             <a:endParaRPr lang="en-US" dirty="0"/>
           </a:p>
@@ -2603,7 +2603,7 @@
             <a:fld id="{B61BEF0D-F0BB-DE4B-95CE-6DB70DBA9567}" type="datetimeFigureOut">
               <a:rPr lang="en-US" dirty="0"/>
               <a:pPr/>
-              <a:t>4/21/2016</a:t>
+              <a:t>4/22/2016</a:t>
             </a:fld>
             <a:endParaRPr lang="en-US" dirty="0"/>
           </a:p>
@@ -2862,7 +2862,7 @@
             <a:fld id="{B61BEF0D-F0BB-DE4B-95CE-6DB70DBA9567}" type="datetimeFigureOut">
               <a:rPr lang="en-US" dirty="0"/>
               <a:pPr/>
-              <a:t>4/21/2016</a:t>
+              <a:t>4/22/2016</a:t>
             </a:fld>
             <a:endParaRPr lang="en-US" dirty="0"/>
           </a:p>
@@ -3188,7 +3188,7 @@
             <a:fld id="{B61BEF0D-F0BB-DE4B-95CE-6DB70DBA9567}" type="datetimeFigureOut">
               <a:rPr lang="en-US" dirty="0"/>
               <a:pPr/>
-              <a:t>4/21/2016</a:t>
+              <a:t>4/22/2016</a:t>
             </a:fld>
             <a:endParaRPr lang="en-US" dirty="0"/>
           </a:p>
@@ -3508,7 +3508,7 @@
             <a:fld id="{B61BEF0D-F0BB-DE4B-95CE-6DB70DBA9567}" type="datetimeFigureOut">
               <a:rPr lang="en-US" dirty="0"/>
               <a:pPr/>
-              <a:t>4/21/2016</a:t>
+              <a:t>4/22/2016</a:t>
             </a:fld>
             <a:endParaRPr lang="en-US" dirty="0"/>
           </a:p>
@@ -3962,7 +3962,7 @@
             <a:fld id="{B61BEF0D-F0BB-DE4B-95CE-6DB70DBA9567}" type="datetimeFigureOut">
               <a:rPr lang="en-US" dirty="0"/>
               <a:pPr/>
-              <a:t>4/21/2016</a:t>
+              <a:t>4/22/2016</a:t>
             </a:fld>
             <a:endParaRPr lang="en-US" dirty="0"/>
           </a:p>
@@ -4164,7 +4164,7 @@
             <a:fld id="{B61BEF0D-F0BB-DE4B-95CE-6DB70DBA9567}" type="datetimeFigureOut">
               <a:rPr lang="en-US" dirty="0"/>
               <a:pPr/>
-              <a:t>4/21/2016</a:t>
+              <a:t>4/22/2016</a:t>
             </a:fld>
             <a:endParaRPr lang="en-US" dirty="0"/>
           </a:p>
@@ -4338,7 +4338,7 @@
             <a:fld id="{B61BEF0D-F0BB-DE4B-95CE-6DB70DBA9567}" type="datetimeFigureOut">
               <a:rPr lang="en-US" dirty="0"/>
               <a:pPr/>
-              <a:t>4/21/2016</a:t>
+              <a:t>4/22/2016</a:t>
             </a:fld>
             <a:endParaRPr lang="en-US" dirty="0"/>
           </a:p>
@@ -4668,7 +4668,7 @@
             <a:fld id="{B61BEF0D-F0BB-DE4B-95CE-6DB70DBA9567}" type="datetimeFigureOut">
               <a:rPr lang="en-US" dirty="0"/>
               <a:pPr/>
-              <a:t>4/21/2016</a:t>
+              <a:t>4/22/2016</a:t>
             </a:fld>
             <a:endParaRPr lang="en-US" dirty="0"/>
           </a:p>
@@ -5010,7 +5010,7 @@
             <a:fld id="{B61BEF0D-F0BB-DE4B-95CE-6DB70DBA9567}" type="datetimeFigureOut">
               <a:rPr lang="en-US" dirty="0"/>
               <a:pPr/>
-              <a:t>4/21/2016</a:t>
+              <a:t>4/22/2016</a:t>
             </a:fld>
             <a:endParaRPr lang="en-US" dirty="0"/>
           </a:p>
@@ -7124,7 +7124,7 @@
             <a:fld id="{B61BEF0D-F0BB-DE4B-95CE-6DB70DBA9567}" type="datetimeFigureOut">
               <a:rPr lang="en-US" dirty="0"/>
               <a:pPr/>
-              <a:t>4/21/2016</a:t>
+              <a:t>4/22/2016</a:t>
             </a:fld>
             <a:endParaRPr lang="en-US" dirty="0"/>
           </a:p>
@@ -7882,8 +7882,17 @@
               <a:rPr lang="en-US" sz="3200" dirty="0">
                 <a:latin typeface="Dragonbones BB" panose="02000506000000020004" pitchFamily="2" charset="0"/>
               </a:rPr>
-              <a:t> Typescript </a:t>
-            </a:r>
+              <a:t> Typescript / </a:t>
+            </a:r>
+            <a:r>
+              <a:rPr lang="en-US" sz="3200" dirty="0" err="1">
+                <a:latin typeface="Dragonbones BB" panose="02000506000000020004" pitchFamily="2" charset="0"/>
+              </a:rPr>
+              <a:t>CreateJS</a:t>
+            </a:r>
+            <a:endParaRPr lang="en-US" sz="3200" dirty="0">
+              <a:latin typeface="Dragonbones BB" panose="02000506000000020004" pitchFamily="2" charset="0"/>
+            </a:endParaRPr>
           </a:p>
           <a:p>
             <a:pPr lvl="2"/>
@@ -8258,7 +8267,12 @@
             <p:ph idx="1"/>
           </p:nvPr>
         </p:nvSpPr>
-        <p:spPr/>
+        <p:spPr>
+          <a:xfrm>
+            <a:off x="2580420" y="2151184"/>
+            <a:ext cx="8915400" cy="3777622"/>
+          </a:xfrm>
+        </p:spPr>
         <p:txBody>
           <a:bodyPr>
             <a:normAutofit/>
